--- a/spring学习图纸.pptx
+++ b/spring学习图纸.pptx
@@ -6,6 +6,7 @@
   </p:sldMasterIdLst>
   <p:sldIdLst>
     <p:sldId id="256" r:id="rId2"/>
+    <p:sldId id="257" r:id="rId3"/>
   </p:sldIdLst>
   <p:sldSz cx="12192000" cy="6858000"/>
   <p:notesSz cx="6858000" cy="9144000"/>
@@ -104,6 +105,11 @@
       </a:defRPr>
     </a:lvl9pPr>
   </p:defaultTextStyle>
+  <p:extLst>
+    <p:ext uri="{EFAFB233-063F-42B5-8137-9DF3F51BA10A}">
+      <p15:sldGuideLst xmlns:p15="http://schemas.microsoft.com/office/powerpoint/2012/main"/>
+    </p:ext>
+  </p:extLst>
 </p:presentation>
 </file>
 
@@ -238,7 +244,7 @@
           <a:p>
             <a:fld id="{9EEAD247-FA8B-F341-B8E0-E96681F905F4}" type="datetimeFigureOut">
               <a:rPr kumimoji="1" lang="zh-CN" altLang="en-US" smtClean="0"/>
-              <a:t>2019/4/25</a:t>
+              <a:t>2019/4/29</a:t>
             </a:fld>
             <a:endParaRPr kumimoji="1" lang="zh-CN" altLang="en-US"/>
           </a:p>
@@ -408,7 +414,7 @@
           <a:p>
             <a:fld id="{9EEAD247-FA8B-F341-B8E0-E96681F905F4}" type="datetimeFigureOut">
               <a:rPr kumimoji="1" lang="zh-CN" altLang="en-US" smtClean="0"/>
-              <a:t>2019/4/25</a:t>
+              <a:t>2019/4/29</a:t>
             </a:fld>
             <a:endParaRPr kumimoji="1" lang="zh-CN" altLang="en-US"/>
           </a:p>
@@ -588,7 +594,7 @@
           <a:p>
             <a:fld id="{9EEAD247-FA8B-F341-B8E0-E96681F905F4}" type="datetimeFigureOut">
               <a:rPr kumimoji="1" lang="zh-CN" altLang="en-US" smtClean="0"/>
-              <a:t>2019/4/25</a:t>
+              <a:t>2019/4/29</a:t>
             </a:fld>
             <a:endParaRPr kumimoji="1" lang="zh-CN" altLang="en-US"/>
           </a:p>
@@ -758,7 +764,7 @@
           <a:p>
             <a:fld id="{9EEAD247-FA8B-F341-B8E0-E96681F905F4}" type="datetimeFigureOut">
               <a:rPr kumimoji="1" lang="zh-CN" altLang="en-US" smtClean="0"/>
-              <a:t>2019/4/25</a:t>
+              <a:t>2019/4/29</a:t>
             </a:fld>
             <a:endParaRPr kumimoji="1" lang="zh-CN" altLang="en-US"/>
           </a:p>
@@ -1004,7 +1010,7 @@
           <a:p>
             <a:fld id="{9EEAD247-FA8B-F341-B8E0-E96681F905F4}" type="datetimeFigureOut">
               <a:rPr kumimoji="1" lang="zh-CN" altLang="en-US" smtClean="0"/>
-              <a:t>2019/4/25</a:t>
+              <a:t>2019/4/29</a:t>
             </a:fld>
             <a:endParaRPr kumimoji="1" lang="zh-CN" altLang="en-US"/>
           </a:p>
@@ -1236,7 +1242,7 @@
           <a:p>
             <a:fld id="{9EEAD247-FA8B-F341-B8E0-E96681F905F4}" type="datetimeFigureOut">
               <a:rPr kumimoji="1" lang="zh-CN" altLang="en-US" smtClean="0"/>
-              <a:t>2019/4/25</a:t>
+              <a:t>2019/4/29</a:t>
             </a:fld>
             <a:endParaRPr kumimoji="1" lang="zh-CN" altLang="en-US"/>
           </a:p>
@@ -1603,7 +1609,7 @@
           <a:p>
             <a:fld id="{9EEAD247-FA8B-F341-B8E0-E96681F905F4}" type="datetimeFigureOut">
               <a:rPr kumimoji="1" lang="zh-CN" altLang="en-US" smtClean="0"/>
-              <a:t>2019/4/25</a:t>
+              <a:t>2019/4/29</a:t>
             </a:fld>
             <a:endParaRPr kumimoji="1" lang="zh-CN" altLang="en-US"/>
           </a:p>
@@ -1721,7 +1727,7 @@
           <a:p>
             <a:fld id="{9EEAD247-FA8B-F341-B8E0-E96681F905F4}" type="datetimeFigureOut">
               <a:rPr kumimoji="1" lang="zh-CN" altLang="en-US" smtClean="0"/>
-              <a:t>2019/4/25</a:t>
+              <a:t>2019/4/29</a:t>
             </a:fld>
             <a:endParaRPr kumimoji="1" lang="zh-CN" altLang="en-US"/>
           </a:p>
@@ -1816,7 +1822,7 @@
           <a:p>
             <a:fld id="{9EEAD247-FA8B-F341-B8E0-E96681F905F4}" type="datetimeFigureOut">
               <a:rPr kumimoji="1" lang="zh-CN" altLang="en-US" smtClean="0"/>
-              <a:t>2019/4/25</a:t>
+              <a:t>2019/4/29</a:t>
             </a:fld>
             <a:endParaRPr kumimoji="1" lang="zh-CN" altLang="en-US"/>
           </a:p>
@@ -2093,7 +2099,7 @@
           <a:p>
             <a:fld id="{9EEAD247-FA8B-F341-B8E0-E96681F905F4}" type="datetimeFigureOut">
               <a:rPr kumimoji="1" lang="zh-CN" altLang="en-US" smtClean="0"/>
-              <a:t>2019/4/25</a:t>
+              <a:t>2019/4/29</a:t>
             </a:fld>
             <a:endParaRPr kumimoji="1" lang="zh-CN" altLang="en-US"/>
           </a:p>
@@ -2346,7 +2352,7 @@
           <a:p>
             <a:fld id="{9EEAD247-FA8B-F341-B8E0-E96681F905F4}" type="datetimeFigureOut">
               <a:rPr kumimoji="1" lang="zh-CN" altLang="en-US" smtClean="0"/>
-              <a:t>2019/4/25</a:t>
+              <a:t>2019/4/29</a:t>
             </a:fld>
             <a:endParaRPr kumimoji="1" lang="zh-CN" altLang="en-US"/>
           </a:p>
@@ -2559,7 +2565,7 @@
           <a:p>
             <a:fld id="{9EEAD247-FA8B-F341-B8E0-E96681F905F4}" type="datetimeFigureOut">
               <a:rPr kumimoji="1" lang="zh-CN" altLang="en-US" smtClean="0"/>
-              <a:t>2019/4/25</a:t>
+              <a:t>2019/4/29</a:t>
             </a:fld>
             <a:endParaRPr kumimoji="1" lang="zh-CN" altLang="en-US"/>
           </a:p>
@@ -3927,6 +3933,1546 @@
 </p:sld>
 </file>
 
+<file path=ppt/slides/slide2.xml><?xml version="1.0" encoding="utf-8"?>
+<p:sld xmlns:a="http://schemas.openxmlformats.org/drawingml/2006/main" xmlns:r="http://schemas.openxmlformats.org/officeDocument/2006/relationships" xmlns:p="http://schemas.openxmlformats.org/presentationml/2006/main">
+  <p:cSld>
+    <p:spTree>
+      <p:nvGrpSpPr>
+        <p:cNvPr id="1" name=""/>
+        <p:cNvGrpSpPr/>
+        <p:nvPr/>
+      </p:nvGrpSpPr>
+      <p:grpSpPr>
+        <a:xfrm>
+          <a:off x="0" y="0"/>
+          <a:ext cx="0" cy="0"/>
+          <a:chOff x="0" y="0"/>
+          <a:chExt cx="0" cy="0"/>
+        </a:xfrm>
+      </p:grpSpPr>
+      <p:sp>
+        <p:nvSpPr>
+          <p:cNvPr id="4" name="矩形 3"/>
+          <p:cNvSpPr/>
+          <p:nvPr/>
+        </p:nvSpPr>
+        <p:spPr>
+          <a:xfrm>
+            <a:off x="3296989" y="2420154"/>
+            <a:ext cx="1687133" cy="1043188"/>
+          </a:xfrm>
+          <a:prstGeom prst="rect">
+            <a:avLst/>
+          </a:prstGeom>
+        </p:spPr>
+        <p:style>
+          <a:lnRef idx="2">
+            <a:schemeClr val="accent1">
+              <a:shade val="50000"/>
+            </a:schemeClr>
+          </a:lnRef>
+          <a:fillRef idx="1">
+            <a:schemeClr val="accent1"/>
+          </a:fillRef>
+          <a:effectRef idx="0">
+            <a:schemeClr val="accent1"/>
+          </a:effectRef>
+          <a:fontRef idx="minor">
+            <a:schemeClr val="lt1"/>
+          </a:fontRef>
+        </p:style>
+        <p:txBody>
+          <a:bodyPr rtlCol="0" anchor="ctr"/>
+          <a:lstStyle/>
+          <a:p>
+            <a:pPr algn="ctr"/>
+            <a:r>
+              <a:rPr kumimoji="1" lang="zh-CN" altLang="en-US" dirty="0" smtClean="0"/>
+              <a:t>中后台服务器</a:t>
+            </a:r>
+            <a:endParaRPr kumimoji="1" lang="zh-CN" altLang="en-US" dirty="0"/>
+          </a:p>
+        </p:txBody>
+      </p:sp>
+      <p:sp>
+        <p:nvSpPr>
+          <p:cNvPr id="5" name="矩形 4"/>
+          <p:cNvSpPr/>
+          <p:nvPr/>
+        </p:nvSpPr>
+        <p:spPr>
+          <a:xfrm>
+            <a:off x="5587285" y="1041043"/>
+            <a:ext cx="1687133" cy="1043188"/>
+          </a:xfrm>
+          <a:prstGeom prst="rect">
+            <a:avLst/>
+          </a:prstGeom>
+        </p:spPr>
+        <p:style>
+          <a:lnRef idx="2">
+            <a:schemeClr val="accent1">
+              <a:shade val="50000"/>
+            </a:schemeClr>
+          </a:lnRef>
+          <a:fillRef idx="1">
+            <a:schemeClr val="accent1"/>
+          </a:fillRef>
+          <a:effectRef idx="0">
+            <a:schemeClr val="accent1"/>
+          </a:effectRef>
+          <a:fontRef idx="minor">
+            <a:schemeClr val="lt1"/>
+          </a:fontRef>
+        </p:style>
+        <p:txBody>
+          <a:bodyPr rtlCol="0" anchor="ctr"/>
+          <a:lstStyle/>
+          <a:p>
+            <a:pPr algn="ctr"/>
+            <a:r>
+              <a:rPr kumimoji="1" lang="zh-CN" altLang="en-US" dirty="0" smtClean="0"/>
+              <a:t>传奇服务器集群</a:t>
+            </a:r>
+            <a:endParaRPr kumimoji="1" lang="zh-CN" altLang="en-US" dirty="0"/>
+          </a:p>
+        </p:txBody>
+      </p:sp>
+      <p:sp>
+        <p:nvSpPr>
+          <p:cNvPr id="6" name="矩形 5"/>
+          <p:cNvSpPr/>
+          <p:nvPr/>
+        </p:nvSpPr>
+        <p:spPr>
+          <a:xfrm>
+            <a:off x="5587285" y="3412901"/>
+            <a:ext cx="1687133" cy="1043188"/>
+          </a:xfrm>
+          <a:prstGeom prst="rect">
+            <a:avLst/>
+          </a:prstGeom>
+        </p:spPr>
+        <p:style>
+          <a:lnRef idx="2">
+            <a:schemeClr val="accent1">
+              <a:shade val="50000"/>
+            </a:schemeClr>
+          </a:lnRef>
+          <a:fillRef idx="1">
+            <a:schemeClr val="accent1"/>
+          </a:fillRef>
+          <a:effectRef idx="0">
+            <a:schemeClr val="accent1"/>
+          </a:effectRef>
+          <a:fontRef idx="minor">
+            <a:schemeClr val="lt1"/>
+          </a:fontRef>
+        </p:style>
+        <p:txBody>
+          <a:bodyPr rtlCol="0" anchor="ctr"/>
+          <a:lstStyle/>
+          <a:p>
+            <a:pPr algn="ctr"/>
+            <a:r>
+              <a:rPr kumimoji="1" lang="zh-CN" altLang="en-US" dirty="0" smtClean="0"/>
+              <a:t>传奇手游编译服务器</a:t>
+            </a:r>
+            <a:endParaRPr kumimoji="1" lang="zh-CN" altLang="en-US" dirty="0"/>
+          </a:p>
+        </p:txBody>
+      </p:sp>
+      <p:sp>
+        <p:nvSpPr>
+          <p:cNvPr id="7" name="矩形 6"/>
+          <p:cNvSpPr/>
+          <p:nvPr/>
+        </p:nvSpPr>
+        <p:spPr>
+          <a:xfrm>
+            <a:off x="8214574" y="2573628"/>
+            <a:ext cx="1687133" cy="1043188"/>
+          </a:xfrm>
+          <a:prstGeom prst="rect">
+            <a:avLst/>
+          </a:prstGeom>
+        </p:spPr>
+        <p:style>
+          <a:lnRef idx="2">
+            <a:schemeClr val="accent1">
+              <a:shade val="50000"/>
+            </a:schemeClr>
+          </a:lnRef>
+          <a:fillRef idx="1">
+            <a:schemeClr val="accent1"/>
+          </a:fillRef>
+          <a:effectRef idx="0">
+            <a:schemeClr val="accent1"/>
+          </a:effectRef>
+          <a:fontRef idx="minor">
+            <a:schemeClr val="lt1"/>
+          </a:fontRef>
+        </p:style>
+        <p:txBody>
+          <a:bodyPr rtlCol="0" anchor="ctr"/>
+          <a:lstStyle/>
+          <a:p>
+            <a:pPr algn="ctr"/>
+            <a:r>
+              <a:rPr kumimoji="1" lang="en-US" altLang="zh-CN" smtClean="0"/>
+              <a:t>iOS</a:t>
+            </a:r>
+            <a:endParaRPr kumimoji="1" lang="zh-CN" altLang="en-US" dirty="0"/>
+          </a:p>
+        </p:txBody>
+      </p:sp>
+      <p:sp>
+        <p:nvSpPr>
+          <p:cNvPr id="8" name="矩形 7"/>
+          <p:cNvSpPr/>
+          <p:nvPr/>
+        </p:nvSpPr>
+        <p:spPr>
+          <a:xfrm>
+            <a:off x="8214574" y="3756337"/>
+            <a:ext cx="1687133" cy="1043188"/>
+          </a:xfrm>
+          <a:prstGeom prst="rect">
+            <a:avLst/>
+          </a:prstGeom>
+        </p:spPr>
+        <p:style>
+          <a:lnRef idx="2">
+            <a:schemeClr val="accent1">
+              <a:shade val="50000"/>
+            </a:schemeClr>
+          </a:lnRef>
+          <a:fillRef idx="1">
+            <a:schemeClr val="accent1"/>
+          </a:fillRef>
+          <a:effectRef idx="0">
+            <a:schemeClr val="accent1"/>
+          </a:effectRef>
+          <a:fontRef idx="minor">
+            <a:schemeClr val="lt1"/>
+          </a:fontRef>
+        </p:style>
+        <p:txBody>
+          <a:bodyPr rtlCol="0" anchor="ctr"/>
+          <a:lstStyle/>
+          <a:p>
+            <a:pPr algn="ctr"/>
+            <a:r>
+              <a:rPr kumimoji="1" lang="en-US" altLang="zh-CN" dirty="0" smtClean="0"/>
+              <a:t>android</a:t>
+            </a:r>
+            <a:endParaRPr kumimoji="1" lang="zh-CN" altLang="en-US" dirty="0"/>
+          </a:p>
+        </p:txBody>
+      </p:sp>
+      <p:sp>
+        <p:nvSpPr>
+          <p:cNvPr id="9" name="矩形 8"/>
+          <p:cNvSpPr/>
+          <p:nvPr/>
+        </p:nvSpPr>
+        <p:spPr>
+          <a:xfrm>
+            <a:off x="8214574" y="4939046"/>
+            <a:ext cx="1687133" cy="1043188"/>
+          </a:xfrm>
+          <a:prstGeom prst="rect">
+            <a:avLst/>
+          </a:prstGeom>
+        </p:spPr>
+        <p:style>
+          <a:lnRef idx="2">
+            <a:schemeClr val="accent1">
+              <a:shade val="50000"/>
+            </a:schemeClr>
+          </a:lnRef>
+          <a:fillRef idx="1">
+            <a:schemeClr val="accent1"/>
+          </a:fillRef>
+          <a:effectRef idx="0">
+            <a:schemeClr val="accent1"/>
+          </a:effectRef>
+          <a:fontRef idx="minor">
+            <a:schemeClr val="lt1"/>
+          </a:fontRef>
+        </p:style>
+        <p:txBody>
+          <a:bodyPr rtlCol="0" anchor="ctr"/>
+          <a:lstStyle/>
+          <a:p>
+            <a:pPr algn="ctr"/>
+            <a:r>
+              <a:rPr kumimoji="1" lang="en-US" altLang="zh-CN" dirty="0" smtClean="0"/>
+              <a:t>pc</a:t>
+            </a:r>
+            <a:endParaRPr kumimoji="1" lang="zh-CN" altLang="en-US" dirty="0"/>
+          </a:p>
+        </p:txBody>
+      </p:sp>
+      <p:sp>
+        <p:nvSpPr>
+          <p:cNvPr id="10" name="矩形 9"/>
+          <p:cNvSpPr/>
+          <p:nvPr/>
+        </p:nvSpPr>
+        <p:spPr>
+          <a:xfrm>
+            <a:off x="400317" y="2369713"/>
+            <a:ext cx="1687133" cy="1043188"/>
+          </a:xfrm>
+          <a:prstGeom prst="rect">
+            <a:avLst/>
+          </a:prstGeom>
+        </p:spPr>
+        <p:style>
+          <a:lnRef idx="2">
+            <a:schemeClr val="accent1">
+              <a:shade val="50000"/>
+            </a:schemeClr>
+          </a:lnRef>
+          <a:fillRef idx="1">
+            <a:schemeClr val="accent1"/>
+          </a:fillRef>
+          <a:effectRef idx="0">
+            <a:schemeClr val="accent1"/>
+          </a:effectRef>
+          <a:fontRef idx="minor">
+            <a:schemeClr val="lt1"/>
+          </a:fontRef>
+        </p:style>
+        <p:txBody>
+          <a:bodyPr rtlCol="0" anchor="ctr"/>
+          <a:lstStyle/>
+          <a:p>
+            <a:pPr algn="ctr"/>
+            <a:r>
+              <a:rPr kumimoji="1" lang="zh-CN" altLang="en-US" dirty="0" smtClean="0"/>
+              <a:t>供应商想开服</a:t>
+            </a:r>
+            <a:endParaRPr kumimoji="1" lang="zh-CN" altLang="en-US" dirty="0"/>
+          </a:p>
+        </p:txBody>
+      </p:sp>
+      <p:sp>
+        <p:nvSpPr>
+          <p:cNvPr id="11" name="矩形 10"/>
+          <p:cNvSpPr/>
+          <p:nvPr/>
+        </p:nvSpPr>
+        <p:spPr>
+          <a:xfrm>
+            <a:off x="8214573" y="384219"/>
+            <a:ext cx="1687133" cy="1043188"/>
+          </a:xfrm>
+          <a:prstGeom prst="rect">
+            <a:avLst/>
+          </a:prstGeom>
+        </p:spPr>
+        <p:style>
+          <a:lnRef idx="2">
+            <a:schemeClr val="accent1">
+              <a:shade val="50000"/>
+            </a:schemeClr>
+          </a:lnRef>
+          <a:fillRef idx="1">
+            <a:schemeClr val="accent1"/>
+          </a:fillRef>
+          <a:effectRef idx="0">
+            <a:schemeClr val="accent1"/>
+          </a:effectRef>
+          <a:fontRef idx="minor">
+            <a:schemeClr val="lt1"/>
+          </a:fontRef>
+        </p:style>
+        <p:txBody>
+          <a:bodyPr rtlCol="0" anchor="ctr"/>
+          <a:lstStyle/>
+          <a:p>
+            <a:pPr algn="ctr"/>
+            <a:r>
+              <a:rPr kumimoji="1" lang="zh-CN" altLang="en-US" dirty="0" smtClean="0"/>
+              <a:t>手游运营推广页</a:t>
+            </a:r>
+            <a:endParaRPr kumimoji="1" lang="zh-CN" altLang="en-US" dirty="0"/>
+          </a:p>
+        </p:txBody>
+      </p:sp>
+      <p:sp>
+        <p:nvSpPr>
+          <p:cNvPr id="12" name="矩形 11"/>
+          <p:cNvSpPr/>
+          <p:nvPr/>
+        </p:nvSpPr>
+        <p:spPr>
+          <a:xfrm>
+            <a:off x="3296990" y="4456089"/>
+            <a:ext cx="1687133" cy="1043188"/>
+          </a:xfrm>
+          <a:prstGeom prst="rect">
+            <a:avLst/>
+          </a:prstGeom>
+        </p:spPr>
+        <p:style>
+          <a:lnRef idx="2">
+            <a:schemeClr val="accent1">
+              <a:shade val="50000"/>
+            </a:schemeClr>
+          </a:lnRef>
+          <a:fillRef idx="1">
+            <a:schemeClr val="accent1"/>
+          </a:fillRef>
+          <a:effectRef idx="0">
+            <a:schemeClr val="accent1"/>
+          </a:effectRef>
+          <a:fontRef idx="minor">
+            <a:schemeClr val="lt1"/>
+          </a:fontRef>
+        </p:style>
+        <p:txBody>
+          <a:bodyPr rtlCol="0" anchor="ctr"/>
+          <a:lstStyle/>
+          <a:p>
+            <a:pPr algn="ctr"/>
+            <a:r>
+              <a:rPr kumimoji="1" lang="zh-CN" altLang="en-US" dirty="0" smtClean="0"/>
+              <a:t>客户端生成配置中心</a:t>
+            </a:r>
+            <a:endParaRPr kumimoji="1" lang="zh-CN" altLang="en-US" dirty="0"/>
+          </a:p>
+        </p:txBody>
+      </p:sp>
+      <p:sp>
+        <p:nvSpPr>
+          <p:cNvPr id="13" name="矩形 12"/>
+          <p:cNvSpPr/>
+          <p:nvPr/>
+        </p:nvSpPr>
+        <p:spPr>
+          <a:xfrm>
+            <a:off x="3296990" y="384219"/>
+            <a:ext cx="1687133" cy="1043188"/>
+          </a:xfrm>
+          <a:prstGeom prst="rect">
+            <a:avLst/>
+          </a:prstGeom>
+        </p:spPr>
+        <p:style>
+          <a:lnRef idx="2">
+            <a:schemeClr val="accent1">
+              <a:shade val="50000"/>
+            </a:schemeClr>
+          </a:lnRef>
+          <a:fillRef idx="1">
+            <a:schemeClr val="accent1"/>
+          </a:fillRef>
+          <a:effectRef idx="0">
+            <a:schemeClr val="accent1"/>
+          </a:effectRef>
+          <a:fontRef idx="minor">
+            <a:schemeClr val="lt1"/>
+          </a:fontRef>
+        </p:style>
+        <p:txBody>
+          <a:bodyPr rtlCol="0" anchor="ctr"/>
+          <a:lstStyle/>
+          <a:p>
+            <a:pPr algn="ctr"/>
+            <a:r>
+              <a:rPr kumimoji="1" lang="zh-CN" altLang="en-US" dirty="0" smtClean="0"/>
+              <a:t>服务端生成配置中心</a:t>
+            </a:r>
+            <a:endParaRPr kumimoji="1" lang="zh-CN" altLang="en-US" dirty="0"/>
+          </a:p>
+        </p:txBody>
+      </p:sp>
+      <p:cxnSp>
+        <p:nvCxnSpPr>
+          <p:cNvPr id="15" name="直线箭头连接符 14"/>
+          <p:cNvCxnSpPr/>
+          <p:nvPr/>
+        </p:nvCxnSpPr>
+        <p:spPr>
+          <a:xfrm>
+            <a:off x="2113206" y="2702416"/>
+            <a:ext cx="1132270" cy="27905"/>
+          </a:xfrm>
+          <a:prstGeom prst="straightConnector1">
+            <a:avLst/>
+          </a:prstGeom>
+          <a:ln>
+            <a:tailEnd type="triangle"/>
+          </a:ln>
+        </p:spPr>
+        <p:style>
+          <a:lnRef idx="1">
+            <a:schemeClr val="accent1"/>
+          </a:lnRef>
+          <a:fillRef idx="0">
+            <a:schemeClr val="accent1"/>
+          </a:fillRef>
+          <a:effectRef idx="0">
+            <a:schemeClr val="accent1"/>
+          </a:effectRef>
+          <a:fontRef idx="minor">
+            <a:schemeClr val="tx1"/>
+          </a:fontRef>
+        </p:style>
+      </p:cxnSp>
+      <p:cxnSp>
+        <p:nvCxnSpPr>
+          <p:cNvPr id="18" name="直线箭头连接符 17"/>
+          <p:cNvCxnSpPr>
+            <a:stCxn id="4" idx="0"/>
+          </p:cNvCxnSpPr>
+          <p:nvPr/>
+        </p:nvCxnSpPr>
+        <p:spPr>
+          <a:xfrm flipH="1" flipV="1">
+            <a:off x="4140555" y="1562637"/>
+            <a:ext cx="1" cy="857517"/>
+          </a:xfrm>
+          <a:prstGeom prst="straightConnector1">
+            <a:avLst/>
+          </a:prstGeom>
+          <a:ln>
+            <a:tailEnd type="triangle"/>
+          </a:ln>
+        </p:spPr>
+        <p:style>
+          <a:lnRef idx="1">
+            <a:schemeClr val="accent1"/>
+          </a:lnRef>
+          <a:fillRef idx="0">
+            <a:schemeClr val="accent1"/>
+          </a:fillRef>
+          <a:effectRef idx="0">
+            <a:schemeClr val="accent1"/>
+          </a:effectRef>
+          <a:fontRef idx="minor">
+            <a:schemeClr val="tx1"/>
+          </a:fontRef>
+        </p:style>
+      </p:cxnSp>
+      <p:cxnSp>
+        <p:nvCxnSpPr>
+          <p:cNvPr id="22" name="直线箭头连接符 21"/>
+          <p:cNvCxnSpPr/>
+          <p:nvPr/>
+        </p:nvCxnSpPr>
+        <p:spPr>
+          <a:xfrm>
+            <a:off x="4133041" y="3586228"/>
+            <a:ext cx="15027" cy="746974"/>
+          </a:xfrm>
+          <a:prstGeom prst="straightConnector1">
+            <a:avLst/>
+          </a:prstGeom>
+          <a:ln>
+            <a:tailEnd type="triangle"/>
+          </a:ln>
+        </p:spPr>
+        <p:style>
+          <a:lnRef idx="1">
+            <a:schemeClr val="accent1"/>
+          </a:lnRef>
+          <a:fillRef idx="0">
+            <a:schemeClr val="accent1"/>
+          </a:fillRef>
+          <a:effectRef idx="0">
+            <a:schemeClr val="accent1"/>
+          </a:effectRef>
+          <a:fontRef idx="minor">
+            <a:schemeClr val="tx1"/>
+          </a:fontRef>
+        </p:style>
+      </p:cxnSp>
+      <p:cxnSp>
+        <p:nvCxnSpPr>
+          <p:cNvPr id="25" name="直线箭头连接符 24"/>
+          <p:cNvCxnSpPr/>
+          <p:nvPr/>
+        </p:nvCxnSpPr>
+        <p:spPr>
+          <a:xfrm flipV="1">
+            <a:off x="5161744" y="4567708"/>
+            <a:ext cx="958403" cy="892932"/>
+          </a:xfrm>
+          <a:prstGeom prst="straightConnector1">
+            <a:avLst/>
+          </a:prstGeom>
+          <a:ln>
+            <a:tailEnd type="triangle"/>
+          </a:ln>
+        </p:spPr>
+        <p:style>
+          <a:lnRef idx="1">
+            <a:schemeClr val="accent1"/>
+          </a:lnRef>
+          <a:fillRef idx="0">
+            <a:schemeClr val="accent1"/>
+          </a:fillRef>
+          <a:effectRef idx="0">
+            <a:schemeClr val="accent1"/>
+          </a:effectRef>
+          <a:fontRef idx="minor">
+            <a:schemeClr val="tx1"/>
+          </a:fontRef>
+        </p:style>
+      </p:cxnSp>
+      <p:cxnSp>
+        <p:nvCxnSpPr>
+          <p:cNvPr id="29" name="直线箭头连接符 28"/>
+          <p:cNvCxnSpPr/>
+          <p:nvPr/>
+        </p:nvCxnSpPr>
+        <p:spPr>
+          <a:xfrm>
+            <a:off x="5161744" y="592428"/>
+            <a:ext cx="762534" cy="313386"/>
+          </a:xfrm>
+          <a:prstGeom prst="straightConnector1">
+            <a:avLst/>
+          </a:prstGeom>
+          <a:ln>
+            <a:tailEnd type="triangle"/>
+          </a:ln>
+        </p:spPr>
+        <p:style>
+          <a:lnRef idx="1">
+            <a:schemeClr val="accent1"/>
+          </a:lnRef>
+          <a:fillRef idx="0">
+            <a:schemeClr val="accent1"/>
+          </a:fillRef>
+          <a:effectRef idx="0">
+            <a:schemeClr val="accent1"/>
+          </a:effectRef>
+          <a:fontRef idx="minor">
+            <a:schemeClr val="tx1"/>
+          </a:fontRef>
+        </p:style>
+      </p:cxnSp>
+      <p:cxnSp>
+        <p:nvCxnSpPr>
+          <p:cNvPr id="32" name="直线箭头连接符 31"/>
+          <p:cNvCxnSpPr/>
+          <p:nvPr/>
+        </p:nvCxnSpPr>
+        <p:spPr>
+          <a:xfrm flipV="1">
+            <a:off x="7378519" y="3315639"/>
+            <a:ext cx="645019" cy="684592"/>
+          </a:xfrm>
+          <a:prstGeom prst="straightConnector1">
+            <a:avLst/>
+          </a:prstGeom>
+          <a:ln>
+            <a:tailEnd type="triangle"/>
+          </a:ln>
+        </p:spPr>
+        <p:style>
+          <a:lnRef idx="1">
+            <a:schemeClr val="accent1"/>
+          </a:lnRef>
+          <a:fillRef idx="0">
+            <a:schemeClr val="accent1"/>
+          </a:fillRef>
+          <a:effectRef idx="0">
+            <a:schemeClr val="accent1"/>
+          </a:effectRef>
+          <a:fontRef idx="minor">
+            <a:schemeClr val="tx1"/>
+          </a:fontRef>
+        </p:style>
+      </p:cxnSp>
+      <p:cxnSp>
+        <p:nvCxnSpPr>
+          <p:cNvPr id="36" name="直线箭头连接符 35"/>
+          <p:cNvCxnSpPr/>
+          <p:nvPr/>
+        </p:nvCxnSpPr>
+        <p:spPr>
+          <a:xfrm>
+            <a:off x="7378519" y="4277931"/>
+            <a:ext cx="645019" cy="55272"/>
+          </a:xfrm>
+          <a:prstGeom prst="straightConnector1">
+            <a:avLst/>
+          </a:prstGeom>
+          <a:ln>
+            <a:tailEnd type="triangle"/>
+          </a:ln>
+        </p:spPr>
+        <p:style>
+          <a:lnRef idx="1">
+            <a:schemeClr val="accent1"/>
+          </a:lnRef>
+          <a:fillRef idx="0">
+            <a:schemeClr val="accent1"/>
+          </a:fillRef>
+          <a:effectRef idx="0">
+            <a:schemeClr val="accent1"/>
+          </a:effectRef>
+          <a:fontRef idx="minor">
+            <a:schemeClr val="tx1"/>
+          </a:fontRef>
+        </p:style>
+      </p:cxnSp>
+      <p:cxnSp>
+        <p:nvCxnSpPr>
+          <p:cNvPr id="40" name="直线箭头连接符 39"/>
+          <p:cNvCxnSpPr/>
+          <p:nvPr/>
+        </p:nvCxnSpPr>
+        <p:spPr>
+          <a:xfrm>
+            <a:off x="7378519" y="4610903"/>
+            <a:ext cx="645019" cy="1055801"/>
+          </a:xfrm>
+          <a:prstGeom prst="straightConnector1">
+            <a:avLst/>
+          </a:prstGeom>
+          <a:ln>
+            <a:tailEnd type="triangle"/>
+          </a:ln>
+        </p:spPr>
+        <p:style>
+          <a:lnRef idx="1">
+            <a:schemeClr val="accent1"/>
+          </a:lnRef>
+          <a:fillRef idx="0">
+            <a:schemeClr val="accent1"/>
+          </a:fillRef>
+          <a:effectRef idx="0">
+            <a:schemeClr val="accent1"/>
+          </a:effectRef>
+          <a:fontRef idx="minor">
+            <a:schemeClr val="tx1"/>
+          </a:fontRef>
+        </p:style>
+      </p:cxnSp>
+      <p:cxnSp>
+        <p:nvCxnSpPr>
+          <p:cNvPr id="43" name="直线箭头连接符 42"/>
+          <p:cNvCxnSpPr/>
+          <p:nvPr/>
+        </p:nvCxnSpPr>
+        <p:spPr>
+          <a:xfrm flipH="1" flipV="1">
+            <a:off x="7371009" y="1687133"/>
+            <a:ext cx="1541171" cy="733021"/>
+          </a:xfrm>
+          <a:prstGeom prst="straightConnector1">
+            <a:avLst/>
+          </a:prstGeom>
+          <a:ln>
+            <a:tailEnd type="triangle"/>
+          </a:ln>
+        </p:spPr>
+        <p:style>
+          <a:lnRef idx="1">
+            <a:schemeClr val="accent1"/>
+          </a:lnRef>
+          <a:fillRef idx="0">
+            <a:schemeClr val="accent1"/>
+          </a:fillRef>
+          <a:effectRef idx="0">
+            <a:schemeClr val="accent1"/>
+          </a:effectRef>
+          <a:fontRef idx="minor">
+            <a:schemeClr val="tx1"/>
+          </a:fontRef>
+        </p:style>
+      </p:cxnSp>
+      <p:cxnSp>
+        <p:nvCxnSpPr>
+          <p:cNvPr id="46" name="直线箭头连接符 45"/>
+          <p:cNvCxnSpPr/>
+          <p:nvPr/>
+        </p:nvCxnSpPr>
+        <p:spPr>
+          <a:xfrm flipH="1">
+            <a:off x="7348471" y="839810"/>
+            <a:ext cx="793123" cy="297825"/>
+          </a:xfrm>
+          <a:prstGeom prst="straightConnector1">
+            <a:avLst/>
+          </a:prstGeom>
+          <a:ln>
+            <a:tailEnd type="triangle"/>
+          </a:ln>
+        </p:spPr>
+        <p:style>
+          <a:lnRef idx="1">
+            <a:schemeClr val="accent1"/>
+          </a:lnRef>
+          <a:fillRef idx="0">
+            <a:schemeClr val="accent1"/>
+          </a:fillRef>
+          <a:effectRef idx="0">
+            <a:schemeClr val="accent1"/>
+          </a:effectRef>
+          <a:fontRef idx="minor">
+            <a:schemeClr val="tx1"/>
+          </a:fontRef>
+        </p:style>
+      </p:cxnSp>
+      <p:sp>
+        <p:nvSpPr>
+          <p:cNvPr id="50" name="矩形 49"/>
+          <p:cNvSpPr/>
+          <p:nvPr/>
+        </p:nvSpPr>
+        <p:spPr>
+          <a:xfrm>
+            <a:off x="8023538" y="2369713"/>
+            <a:ext cx="2125014" cy="3992450"/>
+          </a:xfrm>
+          <a:prstGeom prst="rect">
+            <a:avLst/>
+          </a:prstGeom>
+          <a:noFill/>
+        </p:spPr>
+        <p:style>
+          <a:lnRef idx="2">
+            <a:schemeClr val="accent1">
+              <a:shade val="50000"/>
+            </a:schemeClr>
+          </a:lnRef>
+          <a:fillRef idx="1">
+            <a:schemeClr val="accent1"/>
+          </a:fillRef>
+          <a:effectRef idx="0">
+            <a:schemeClr val="accent1"/>
+          </a:effectRef>
+          <a:fontRef idx="minor">
+            <a:schemeClr val="lt1"/>
+          </a:fontRef>
+        </p:style>
+        <p:txBody>
+          <a:bodyPr rtlCol="0" anchor="ctr"/>
+          <a:lstStyle/>
+          <a:p>
+            <a:pPr algn="ctr"/>
+            <a:endParaRPr kumimoji="1" lang="zh-CN" altLang="en-US"/>
+          </a:p>
+        </p:txBody>
+      </p:sp>
+      <p:sp>
+        <p:nvSpPr>
+          <p:cNvPr id="51" name="椭圆 50"/>
+          <p:cNvSpPr/>
+          <p:nvPr/>
+        </p:nvSpPr>
+        <p:spPr>
+          <a:xfrm>
+            <a:off x="10897672" y="2743535"/>
+            <a:ext cx="914400" cy="914400"/>
+          </a:xfrm>
+          <a:prstGeom prst="ellipse">
+            <a:avLst/>
+          </a:prstGeom>
+        </p:spPr>
+        <p:style>
+          <a:lnRef idx="2">
+            <a:schemeClr val="accent1">
+              <a:shade val="50000"/>
+            </a:schemeClr>
+          </a:lnRef>
+          <a:fillRef idx="1">
+            <a:schemeClr val="accent1"/>
+          </a:fillRef>
+          <a:effectRef idx="0">
+            <a:schemeClr val="accent1"/>
+          </a:effectRef>
+          <a:fontRef idx="minor">
+            <a:schemeClr val="lt1"/>
+          </a:fontRef>
+        </p:style>
+        <p:txBody>
+          <a:bodyPr rtlCol="0" anchor="ctr"/>
+          <a:lstStyle/>
+          <a:p>
+            <a:pPr algn="ctr"/>
+            <a:r>
+              <a:rPr kumimoji="1" lang="zh-CN" altLang="en-US" dirty="0" smtClean="0"/>
+              <a:t>用户</a:t>
+            </a:r>
+            <a:endParaRPr kumimoji="1" lang="zh-CN" altLang="en-US" dirty="0"/>
+          </a:p>
+        </p:txBody>
+      </p:sp>
+      <p:sp>
+        <p:nvSpPr>
+          <p:cNvPr id="52" name="椭圆 51"/>
+          <p:cNvSpPr/>
+          <p:nvPr/>
+        </p:nvSpPr>
+        <p:spPr>
+          <a:xfrm>
+            <a:off x="11064023" y="3619766"/>
+            <a:ext cx="581698" cy="476183"/>
+          </a:xfrm>
+          <a:prstGeom prst="ellipse">
+            <a:avLst/>
+          </a:prstGeom>
+        </p:spPr>
+        <p:style>
+          <a:lnRef idx="2">
+            <a:schemeClr val="accent1">
+              <a:shade val="50000"/>
+            </a:schemeClr>
+          </a:lnRef>
+          <a:fillRef idx="1">
+            <a:schemeClr val="accent1"/>
+          </a:fillRef>
+          <a:effectRef idx="0">
+            <a:schemeClr val="accent1"/>
+          </a:effectRef>
+          <a:fontRef idx="minor">
+            <a:schemeClr val="lt1"/>
+          </a:fontRef>
+        </p:style>
+        <p:txBody>
+          <a:bodyPr rtlCol="0" anchor="ctr"/>
+          <a:lstStyle/>
+          <a:p>
+            <a:pPr algn="ctr"/>
+            <a:endParaRPr kumimoji="1" lang="zh-CN" altLang="en-US"/>
+          </a:p>
+        </p:txBody>
+      </p:sp>
+      <p:cxnSp>
+        <p:nvCxnSpPr>
+          <p:cNvPr id="54" name="直线箭头连接符 53"/>
+          <p:cNvCxnSpPr>
+            <a:stCxn id="52" idx="4"/>
+          </p:cNvCxnSpPr>
+          <p:nvPr/>
+        </p:nvCxnSpPr>
+        <p:spPr>
+          <a:xfrm flipH="1">
+            <a:off x="11062954" y="4095949"/>
+            <a:ext cx="291918" cy="360140"/>
+          </a:xfrm>
+          <a:prstGeom prst="straightConnector1">
+            <a:avLst/>
+          </a:prstGeom>
+          <a:ln>
+            <a:tailEnd type="triangle"/>
+          </a:ln>
+        </p:spPr>
+        <p:style>
+          <a:lnRef idx="1">
+            <a:schemeClr val="accent1"/>
+          </a:lnRef>
+          <a:fillRef idx="0">
+            <a:schemeClr val="accent1"/>
+          </a:fillRef>
+          <a:effectRef idx="0">
+            <a:schemeClr val="accent1"/>
+          </a:effectRef>
+          <a:fontRef idx="minor">
+            <a:schemeClr val="tx1"/>
+          </a:fontRef>
+        </p:style>
+      </p:cxnSp>
+      <p:cxnSp>
+        <p:nvCxnSpPr>
+          <p:cNvPr id="57" name="直线箭头连接符 56"/>
+          <p:cNvCxnSpPr>
+            <a:stCxn id="52" idx="4"/>
+          </p:cNvCxnSpPr>
+          <p:nvPr/>
+        </p:nvCxnSpPr>
+        <p:spPr>
+          <a:xfrm>
+            <a:off x="11354872" y="4095949"/>
+            <a:ext cx="304265" cy="360140"/>
+          </a:xfrm>
+          <a:prstGeom prst="straightConnector1">
+            <a:avLst/>
+          </a:prstGeom>
+          <a:ln>
+            <a:tailEnd type="triangle"/>
+          </a:ln>
+        </p:spPr>
+        <p:style>
+          <a:lnRef idx="1">
+            <a:schemeClr val="accent1"/>
+          </a:lnRef>
+          <a:fillRef idx="0">
+            <a:schemeClr val="accent1"/>
+          </a:fillRef>
+          <a:effectRef idx="0">
+            <a:schemeClr val="accent1"/>
+          </a:effectRef>
+          <a:fontRef idx="minor">
+            <a:schemeClr val="tx1"/>
+          </a:fontRef>
+        </p:style>
+      </p:cxnSp>
+      <p:cxnSp>
+        <p:nvCxnSpPr>
+          <p:cNvPr id="60" name="直线箭头连接符 59"/>
+          <p:cNvCxnSpPr/>
+          <p:nvPr/>
+        </p:nvCxnSpPr>
+        <p:spPr>
+          <a:xfrm flipH="1">
+            <a:off x="10917530" y="3657935"/>
+            <a:ext cx="291918" cy="360140"/>
+          </a:xfrm>
+          <a:prstGeom prst="straightConnector1">
+            <a:avLst/>
+          </a:prstGeom>
+          <a:ln>
+            <a:tailEnd type="triangle"/>
+          </a:ln>
+        </p:spPr>
+        <p:style>
+          <a:lnRef idx="1">
+            <a:schemeClr val="accent1"/>
+          </a:lnRef>
+          <a:fillRef idx="0">
+            <a:schemeClr val="accent1"/>
+          </a:fillRef>
+          <a:effectRef idx="0">
+            <a:schemeClr val="accent1"/>
+          </a:effectRef>
+          <a:fontRef idx="minor">
+            <a:schemeClr val="tx1"/>
+          </a:fontRef>
+        </p:style>
+      </p:cxnSp>
+      <p:cxnSp>
+        <p:nvCxnSpPr>
+          <p:cNvPr id="61" name="直线箭头连接符 60"/>
+          <p:cNvCxnSpPr>
+            <a:stCxn id="52" idx="7"/>
+          </p:cNvCxnSpPr>
+          <p:nvPr/>
+        </p:nvCxnSpPr>
+        <p:spPr>
+          <a:xfrm>
+            <a:off x="11560533" y="3689501"/>
+            <a:ext cx="376037" cy="328574"/>
+          </a:xfrm>
+          <a:prstGeom prst="straightConnector1">
+            <a:avLst/>
+          </a:prstGeom>
+          <a:ln>
+            <a:tailEnd type="triangle"/>
+          </a:ln>
+        </p:spPr>
+        <p:style>
+          <a:lnRef idx="1">
+            <a:schemeClr val="accent1"/>
+          </a:lnRef>
+          <a:fillRef idx="0">
+            <a:schemeClr val="accent1"/>
+          </a:fillRef>
+          <a:effectRef idx="0">
+            <a:schemeClr val="accent1"/>
+          </a:effectRef>
+          <a:fontRef idx="minor">
+            <a:schemeClr val="tx1"/>
+          </a:fontRef>
+        </p:style>
+      </p:cxnSp>
+      <p:cxnSp>
+        <p:nvCxnSpPr>
+          <p:cNvPr id="65" name="直线箭头连接符 64"/>
+          <p:cNvCxnSpPr/>
+          <p:nvPr/>
+        </p:nvCxnSpPr>
+        <p:spPr>
+          <a:xfrm flipH="1" flipV="1">
+            <a:off x="10315977" y="3095222"/>
+            <a:ext cx="386367" cy="220417"/>
+          </a:xfrm>
+          <a:prstGeom prst="straightConnector1">
+            <a:avLst/>
+          </a:prstGeom>
+          <a:ln>
+            <a:tailEnd type="triangle"/>
+          </a:ln>
+        </p:spPr>
+        <p:style>
+          <a:lnRef idx="1">
+            <a:schemeClr val="accent1"/>
+          </a:lnRef>
+          <a:fillRef idx="0">
+            <a:schemeClr val="accent1"/>
+          </a:fillRef>
+          <a:effectRef idx="0">
+            <a:schemeClr val="accent1"/>
+          </a:effectRef>
+          <a:fontRef idx="minor">
+            <a:schemeClr val="tx1"/>
+          </a:fontRef>
+        </p:style>
+      </p:cxnSp>
+      <p:cxnSp>
+        <p:nvCxnSpPr>
+          <p:cNvPr id="66" name="直线箭头连接符 65"/>
+          <p:cNvCxnSpPr/>
+          <p:nvPr/>
+        </p:nvCxnSpPr>
+        <p:spPr>
+          <a:xfrm flipH="1">
+            <a:off x="10313833" y="3468040"/>
+            <a:ext cx="540912" cy="532191"/>
+          </a:xfrm>
+          <a:prstGeom prst="straightConnector1">
+            <a:avLst/>
+          </a:prstGeom>
+          <a:ln>
+            <a:tailEnd type="triangle"/>
+          </a:ln>
+        </p:spPr>
+        <p:style>
+          <a:lnRef idx="1">
+            <a:schemeClr val="accent1"/>
+          </a:lnRef>
+          <a:fillRef idx="0">
+            <a:schemeClr val="accent1"/>
+          </a:fillRef>
+          <a:effectRef idx="0">
+            <a:schemeClr val="accent1"/>
+          </a:effectRef>
+          <a:fontRef idx="minor">
+            <a:schemeClr val="tx1"/>
+          </a:fontRef>
+        </p:style>
+      </p:cxnSp>
+      <p:cxnSp>
+        <p:nvCxnSpPr>
+          <p:cNvPr id="68" name="直线箭头连接符 67"/>
+          <p:cNvCxnSpPr/>
+          <p:nvPr/>
+        </p:nvCxnSpPr>
+        <p:spPr>
+          <a:xfrm flipH="1">
+            <a:off x="10313833" y="3468040"/>
+            <a:ext cx="540912" cy="2031237"/>
+          </a:xfrm>
+          <a:prstGeom prst="straightConnector1">
+            <a:avLst/>
+          </a:prstGeom>
+          <a:ln>
+            <a:tailEnd type="triangle"/>
+          </a:ln>
+        </p:spPr>
+        <p:style>
+          <a:lnRef idx="1">
+            <a:schemeClr val="accent1"/>
+          </a:lnRef>
+          <a:fillRef idx="0">
+            <a:schemeClr val="accent1"/>
+          </a:fillRef>
+          <a:effectRef idx="0">
+            <a:schemeClr val="accent1"/>
+          </a:effectRef>
+          <a:fontRef idx="minor">
+            <a:schemeClr val="tx1"/>
+          </a:fontRef>
+        </p:style>
+      </p:cxnSp>
+      <p:sp>
+        <p:nvSpPr>
+          <p:cNvPr id="70" name="矩形 69"/>
+          <p:cNvSpPr/>
+          <p:nvPr/>
+        </p:nvSpPr>
+        <p:spPr>
+          <a:xfrm>
+            <a:off x="2497963" y="4260756"/>
+            <a:ext cx="927279" cy="532329"/>
+          </a:xfrm>
+          <a:prstGeom prst="rect">
+            <a:avLst/>
+          </a:prstGeom>
+          <a:solidFill>
+            <a:srgbClr val="C00000"/>
+          </a:solidFill>
+        </p:spPr>
+        <p:style>
+          <a:lnRef idx="2">
+            <a:schemeClr val="accent1">
+              <a:shade val="50000"/>
+            </a:schemeClr>
+          </a:lnRef>
+          <a:fillRef idx="1">
+            <a:schemeClr val="accent1"/>
+          </a:fillRef>
+          <a:effectRef idx="0">
+            <a:schemeClr val="accent1"/>
+          </a:effectRef>
+          <a:fontRef idx="minor">
+            <a:schemeClr val="lt1"/>
+          </a:fontRef>
+        </p:style>
+        <p:txBody>
+          <a:bodyPr rtlCol="0" anchor="ctr"/>
+          <a:lstStyle/>
+          <a:p>
+            <a:pPr algn="ctr"/>
+            <a:r>
+              <a:rPr kumimoji="1" lang="zh-CN" altLang="en-US" dirty="0" smtClean="0"/>
+              <a:t>衣服素材</a:t>
+            </a:r>
+            <a:endParaRPr kumimoji="1" lang="zh-CN" altLang="en-US" dirty="0"/>
+          </a:p>
+        </p:txBody>
+      </p:sp>
+      <p:sp>
+        <p:nvSpPr>
+          <p:cNvPr id="71" name="矩形 70"/>
+          <p:cNvSpPr/>
+          <p:nvPr/>
+        </p:nvSpPr>
+        <p:spPr>
+          <a:xfrm>
+            <a:off x="2449666" y="4988418"/>
+            <a:ext cx="927279" cy="532329"/>
+          </a:xfrm>
+          <a:prstGeom prst="rect">
+            <a:avLst/>
+          </a:prstGeom>
+          <a:solidFill>
+            <a:srgbClr val="C00000"/>
+          </a:solidFill>
+        </p:spPr>
+        <p:style>
+          <a:lnRef idx="2">
+            <a:schemeClr val="accent1">
+              <a:shade val="50000"/>
+            </a:schemeClr>
+          </a:lnRef>
+          <a:fillRef idx="1">
+            <a:schemeClr val="accent1"/>
+          </a:fillRef>
+          <a:effectRef idx="0">
+            <a:schemeClr val="accent1"/>
+          </a:effectRef>
+          <a:fontRef idx="minor">
+            <a:schemeClr val="lt1"/>
+          </a:fontRef>
+        </p:style>
+        <p:txBody>
+          <a:bodyPr rtlCol="0" anchor="ctr"/>
+          <a:lstStyle/>
+          <a:p>
+            <a:pPr algn="ctr"/>
+            <a:r>
+              <a:rPr kumimoji="1" lang="zh-CN" altLang="en-US" dirty="0" smtClean="0"/>
+              <a:t>属性素材</a:t>
+            </a:r>
+            <a:endParaRPr kumimoji="1" lang="zh-CN" altLang="en-US" dirty="0"/>
+          </a:p>
+        </p:txBody>
+      </p:sp>
+      <p:sp>
+        <p:nvSpPr>
+          <p:cNvPr id="72" name="矩形 71"/>
+          <p:cNvSpPr/>
+          <p:nvPr/>
+        </p:nvSpPr>
+        <p:spPr>
+          <a:xfrm>
+            <a:off x="2976093" y="5400539"/>
+            <a:ext cx="927279" cy="532329"/>
+          </a:xfrm>
+          <a:prstGeom prst="rect">
+            <a:avLst/>
+          </a:prstGeom>
+          <a:solidFill>
+            <a:srgbClr val="C00000"/>
+          </a:solidFill>
+        </p:spPr>
+        <p:style>
+          <a:lnRef idx="2">
+            <a:schemeClr val="accent1">
+              <a:shade val="50000"/>
+            </a:schemeClr>
+          </a:lnRef>
+          <a:fillRef idx="1">
+            <a:schemeClr val="accent1"/>
+          </a:fillRef>
+          <a:effectRef idx="0">
+            <a:schemeClr val="accent1"/>
+          </a:effectRef>
+          <a:fontRef idx="minor">
+            <a:schemeClr val="lt1"/>
+          </a:fontRef>
+        </p:style>
+        <p:txBody>
+          <a:bodyPr rtlCol="0" anchor="ctr"/>
+          <a:lstStyle/>
+          <a:p>
+            <a:pPr algn="ctr"/>
+            <a:r>
+              <a:rPr kumimoji="1" lang="zh-CN" altLang="en-US" dirty="0" smtClean="0"/>
+              <a:t>装备素材</a:t>
+            </a:r>
+            <a:endParaRPr kumimoji="1" lang="zh-CN" altLang="en-US" dirty="0"/>
+          </a:p>
+        </p:txBody>
+      </p:sp>
+      <p:sp>
+        <p:nvSpPr>
+          <p:cNvPr id="73" name="矩形 72"/>
+          <p:cNvSpPr/>
+          <p:nvPr/>
+        </p:nvSpPr>
+        <p:spPr>
+          <a:xfrm>
+            <a:off x="3966159" y="5400539"/>
+            <a:ext cx="927279" cy="532329"/>
+          </a:xfrm>
+          <a:prstGeom prst="rect">
+            <a:avLst/>
+          </a:prstGeom>
+          <a:solidFill>
+            <a:srgbClr val="C00000"/>
+          </a:solidFill>
+        </p:spPr>
+        <p:style>
+          <a:lnRef idx="2">
+            <a:schemeClr val="accent1">
+              <a:shade val="50000"/>
+            </a:schemeClr>
+          </a:lnRef>
+          <a:fillRef idx="1">
+            <a:schemeClr val="accent1"/>
+          </a:fillRef>
+          <a:effectRef idx="0">
+            <a:schemeClr val="accent1"/>
+          </a:effectRef>
+          <a:fontRef idx="minor">
+            <a:schemeClr val="lt1"/>
+          </a:fontRef>
+        </p:style>
+        <p:txBody>
+          <a:bodyPr rtlCol="0" anchor="ctr"/>
+          <a:lstStyle/>
+          <a:p>
+            <a:pPr algn="ctr"/>
+            <a:r>
+              <a:rPr kumimoji="1" lang="zh-CN" altLang="en-US" dirty="0" smtClean="0"/>
+              <a:t>地图素材</a:t>
+            </a:r>
+            <a:endParaRPr kumimoji="1" lang="zh-CN" altLang="en-US" dirty="0"/>
+          </a:p>
+        </p:txBody>
+      </p:sp>
+      <p:sp>
+        <p:nvSpPr>
+          <p:cNvPr id="74" name="矩形 73"/>
+          <p:cNvSpPr/>
+          <p:nvPr/>
+        </p:nvSpPr>
+        <p:spPr>
+          <a:xfrm>
+            <a:off x="4951122" y="5306094"/>
+            <a:ext cx="927279" cy="532329"/>
+          </a:xfrm>
+          <a:prstGeom prst="rect">
+            <a:avLst/>
+          </a:prstGeom>
+          <a:solidFill>
+            <a:srgbClr val="C00000"/>
+          </a:solidFill>
+        </p:spPr>
+        <p:style>
+          <a:lnRef idx="2">
+            <a:schemeClr val="accent1">
+              <a:shade val="50000"/>
+            </a:schemeClr>
+          </a:lnRef>
+          <a:fillRef idx="1">
+            <a:schemeClr val="accent1"/>
+          </a:fillRef>
+          <a:effectRef idx="0">
+            <a:schemeClr val="accent1"/>
+          </a:effectRef>
+          <a:fontRef idx="minor">
+            <a:schemeClr val="lt1"/>
+          </a:fontRef>
+        </p:style>
+        <p:txBody>
+          <a:bodyPr rtlCol="0" anchor="ctr"/>
+          <a:lstStyle/>
+          <a:p>
+            <a:pPr algn="ctr"/>
+            <a:r>
+              <a:rPr kumimoji="1" lang="zh-CN" altLang="en-US" dirty="0" smtClean="0"/>
+              <a:t>。。。</a:t>
+            </a:r>
+            <a:endParaRPr kumimoji="1" lang="zh-CN" altLang="en-US" dirty="0"/>
+          </a:p>
+        </p:txBody>
+      </p:sp>
+      <p:sp>
+        <p:nvSpPr>
+          <p:cNvPr id="75" name="矩形 74"/>
+          <p:cNvSpPr/>
+          <p:nvPr/>
+        </p:nvSpPr>
+        <p:spPr>
+          <a:xfrm>
+            <a:off x="2449668" y="159635"/>
+            <a:ext cx="927279" cy="532329"/>
+          </a:xfrm>
+          <a:prstGeom prst="rect">
+            <a:avLst/>
+          </a:prstGeom>
+          <a:solidFill>
+            <a:srgbClr val="C00000"/>
+          </a:solidFill>
+        </p:spPr>
+        <p:style>
+          <a:lnRef idx="2">
+            <a:schemeClr val="accent1">
+              <a:shade val="50000"/>
+            </a:schemeClr>
+          </a:lnRef>
+          <a:fillRef idx="1">
+            <a:schemeClr val="accent1"/>
+          </a:fillRef>
+          <a:effectRef idx="0">
+            <a:schemeClr val="accent1"/>
+          </a:effectRef>
+          <a:fontRef idx="minor">
+            <a:schemeClr val="lt1"/>
+          </a:fontRef>
+        </p:style>
+        <p:txBody>
+          <a:bodyPr rtlCol="0" anchor="ctr"/>
+          <a:lstStyle/>
+          <a:p>
+            <a:pPr algn="ctr"/>
+            <a:r>
+              <a:rPr kumimoji="1" lang="zh-CN" altLang="en-US" dirty="0" smtClean="0"/>
+              <a:t>性能调优</a:t>
+            </a:r>
+            <a:endParaRPr kumimoji="1" lang="zh-CN" altLang="en-US" dirty="0"/>
+          </a:p>
+        </p:txBody>
+      </p:sp>
+      <p:sp>
+        <p:nvSpPr>
+          <p:cNvPr id="76" name="矩形 75"/>
+          <p:cNvSpPr/>
+          <p:nvPr/>
+        </p:nvSpPr>
+        <p:spPr>
+          <a:xfrm>
+            <a:off x="2449667" y="774878"/>
+            <a:ext cx="927279" cy="532329"/>
+          </a:xfrm>
+          <a:prstGeom prst="rect">
+            <a:avLst/>
+          </a:prstGeom>
+          <a:solidFill>
+            <a:srgbClr val="C00000"/>
+          </a:solidFill>
+        </p:spPr>
+        <p:style>
+          <a:lnRef idx="2">
+            <a:schemeClr val="accent1">
+              <a:shade val="50000"/>
+            </a:schemeClr>
+          </a:lnRef>
+          <a:fillRef idx="1">
+            <a:schemeClr val="accent1"/>
+          </a:fillRef>
+          <a:effectRef idx="0">
+            <a:schemeClr val="accent1"/>
+          </a:effectRef>
+          <a:fontRef idx="minor">
+            <a:schemeClr val="lt1"/>
+          </a:fontRef>
+        </p:style>
+        <p:txBody>
+          <a:bodyPr rtlCol="0" anchor="ctr"/>
+          <a:lstStyle/>
+          <a:p>
+            <a:pPr algn="ctr"/>
+            <a:r>
+              <a:rPr kumimoji="1" lang="zh-CN" altLang="en-US" smtClean="0"/>
+              <a:t>刷怪</a:t>
+            </a:r>
+            <a:endParaRPr kumimoji="1" lang="zh-CN" altLang="en-US" dirty="0"/>
+          </a:p>
+        </p:txBody>
+      </p:sp>
+      <p:sp>
+        <p:nvSpPr>
+          <p:cNvPr id="77" name="矩形 76"/>
+          <p:cNvSpPr/>
+          <p:nvPr/>
+        </p:nvSpPr>
+        <p:spPr>
+          <a:xfrm>
+            <a:off x="2899088" y="1372673"/>
+            <a:ext cx="927279" cy="532329"/>
+          </a:xfrm>
+          <a:prstGeom prst="rect">
+            <a:avLst/>
+          </a:prstGeom>
+          <a:solidFill>
+            <a:srgbClr val="C00000"/>
+          </a:solidFill>
+        </p:spPr>
+        <p:style>
+          <a:lnRef idx="2">
+            <a:schemeClr val="accent1">
+              <a:shade val="50000"/>
+            </a:schemeClr>
+          </a:lnRef>
+          <a:fillRef idx="1">
+            <a:schemeClr val="accent1"/>
+          </a:fillRef>
+          <a:effectRef idx="0">
+            <a:schemeClr val="accent1"/>
+          </a:effectRef>
+          <a:fontRef idx="minor">
+            <a:schemeClr val="lt1"/>
+          </a:fontRef>
+        </p:style>
+        <p:txBody>
+          <a:bodyPr rtlCol="0" anchor="ctr"/>
+          <a:lstStyle/>
+          <a:p>
+            <a:pPr algn="ctr"/>
+            <a:r>
+              <a:rPr kumimoji="1" lang="zh-CN" altLang="en-US" dirty="0" smtClean="0"/>
+              <a:t>充值配置</a:t>
+            </a:r>
+            <a:endParaRPr kumimoji="1" lang="zh-CN" altLang="en-US" dirty="0"/>
+          </a:p>
+        </p:txBody>
+      </p:sp>
+    </p:spTree>
+    <p:extLst>
+      <p:ext uri="{BB962C8B-B14F-4D97-AF65-F5344CB8AC3E}">
+        <p14:creationId xmlns:p14="http://schemas.microsoft.com/office/powerpoint/2010/main" val="1205132196"/>
+      </p:ext>
+    </p:extLst>
+  </p:cSld>
+  <p:clrMapOvr>
+    <a:masterClrMapping/>
+  </p:clrMapOvr>
+</p:sld>
+</file>
+
 <file path=ppt/theme/theme1.xml><?xml version="1.0" encoding="utf-8"?>
 <a:theme xmlns:a="http://schemas.openxmlformats.org/drawingml/2006/main" name="Office 主题">
   <a:themeElements>

--- a/spring学习图纸.pptx
+++ b/spring学习图纸.pptx
@@ -244,7 +244,7 @@
           <a:p>
             <a:fld id="{9EEAD247-FA8B-F341-B8E0-E96681F905F4}" type="datetimeFigureOut">
               <a:rPr kumimoji="1" lang="zh-CN" altLang="en-US" smtClean="0"/>
-              <a:t>2019/4/29</a:t>
+              <a:t>2019/5/9</a:t>
             </a:fld>
             <a:endParaRPr kumimoji="1" lang="zh-CN" altLang="en-US"/>
           </a:p>
@@ -414,7 +414,7 @@
           <a:p>
             <a:fld id="{9EEAD247-FA8B-F341-B8E0-E96681F905F4}" type="datetimeFigureOut">
               <a:rPr kumimoji="1" lang="zh-CN" altLang="en-US" smtClean="0"/>
-              <a:t>2019/4/29</a:t>
+              <a:t>2019/5/9</a:t>
             </a:fld>
             <a:endParaRPr kumimoji="1" lang="zh-CN" altLang="en-US"/>
           </a:p>
@@ -594,7 +594,7 @@
           <a:p>
             <a:fld id="{9EEAD247-FA8B-F341-B8E0-E96681F905F4}" type="datetimeFigureOut">
               <a:rPr kumimoji="1" lang="zh-CN" altLang="en-US" smtClean="0"/>
-              <a:t>2019/4/29</a:t>
+              <a:t>2019/5/9</a:t>
             </a:fld>
             <a:endParaRPr kumimoji="1" lang="zh-CN" altLang="en-US"/>
           </a:p>
@@ -764,7 +764,7 @@
           <a:p>
             <a:fld id="{9EEAD247-FA8B-F341-B8E0-E96681F905F4}" type="datetimeFigureOut">
               <a:rPr kumimoji="1" lang="zh-CN" altLang="en-US" smtClean="0"/>
-              <a:t>2019/4/29</a:t>
+              <a:t>2019/5/9</a:t>
             </a:fld>
             <a:endParaRPr kumimoji="1" lang="zh-CN" altLang="en-US"/>
           </a:p>
@@ -1010,7 +1010,7 @@
           <a:p>
             <a:fld id="{9EEAD247-FA8B-F341-B8E0-E96681F905F4}" type="datetimeFigureOut">
               <a:rPr kumimoji="1" lang="zh-CN" altLang="en-US" smtClean="0"/>
-              <a:t>2019/4/29</a:t>
+              <a:t>2019/5/9</a:t>
             </a:fld>
             <a:endParaRPr kumimoji="1" lang="zh-CN" altLang="en-US"/>
           </a:p>
@@ -1242,7 +1242,7 @@
           <a:p>
             <a:fld id="{9EEAD247-FA8B-F341-B8E0-E96681F905F4}" type="datetimeFigureOut">
               <a:rPr kumimoji="1" lang="zh-CN" altLang="en-US" smtClean="0"/>
-              <a:t>2019/4/29</a:t>
+              <a:t>2019/5/9</a:t>
             </a:fld>
             <a:endParaRPr kumimoji="1" lang="zh-CN" altLang="en-US"/>
           </a:p>
@@ -1609,7 +1609,7 @@
           <a:p>
             <a:fld id="{9EEAD247-FA8B-F341-B8E0-E96681F905F4}" type="datetimeFigureOut">
               <a:rPr kumimoji="1" lang="zh-CN" altLang="en-US" smtClean="0"/>
-              <a:t>2019/4/29</a:t>
+              <a:t>2019/5/9</a:t>
             </a:fld>
             <a:endParaRPr kumimoji="1" lang="zh-CN" altLang="en-US"/>
           </a:p>
@@ -1727,7 +1727,7 @@
           <a:p>
             <a:fld id="{9EEAD247-FA8B-F341-B8E0-E96681F905F4}" type="datetimeFigureOut">
               <a:rPr kumimoji="1" lang="zh-CN" altLang="en-US" smtClean="0"/>
-              <a:t>2019/4/29</a:t>
+              <a:t>2019/5/9</a:t>
             </a:fld>
             <a:endParaRPr kumimoji="1" lang="zh-CN" altLang="en-US"/>
           </a:p>
@@ -1822,7 +1822,7 @@
           <a:p>
             <a:fld id="{9EEAD247-FA8B-F341-B8E0-E96681F905F4}" type="datetimeFigureOut">
               <a:rPr kumimoji="1" lang="zh-CN" altLang="en-US" smtClean="0"/>
-              <a:t>2019/4/29</a:t>
+              <a:t>2019/5/9</a:t>
             </a:fld>
             <a:endParaRPr kumimoji="1" lang="zh-CN" altLang="en-US"/>
           </a:p>
@@ -2099,7 +2099,7 @@
           <a:p>
             <a:fld id="{9EEAD247-FA8B-F341-B8E0-E96681F905F4}" type="datetimeFigureOut">
               <a:rPr kumimoji="1" lang="zh-CN" altLang="en-US" smtClean="0"/>
-              <a:t>2019/4/29</a:t>
+              <a:t>2019/5/9</a:t>
             </a:fld>
             <a:endParaRPr kumimoji="1" lang="zh-CN" altLang="en-US"/>
           </a:p>
@@ -2352,7 +2352,7 @@
           <a:p>
             <a:fld id="{9EEAD247-FA8B-F341-B8E0-E96681F905F4}" type="datetimeFigureOut">
               <a:rPr kumimoji="1" lang="zh-CN" altLang="en-US" smtClean="0"/>
-              <a:t>2019/4/29</a:t>
+              <a:t>2019/5/9</a:t>
             </a:fld>
             <a:endParaRPr kumimoji="1" lang="zh-CN" altLang="en-US"/>
           </a:p>
@@ -2565,7 +2565,7 @@
           <a:p>
             <a:fld id="{9EEAD247-FA8B-F341-B8E0-E96681F905F4}" type="datetimeFigureOut">
               <a:rPr kumimoji="1" lang="zh-CN" altLang="en-US" smtClean="0"/>
-              <a:t>2019/4/29</a:t>
+              <a:t>2019/5/9</a:t>
             </a:fld>
             <a:endParaRPr kumimoji="1" lang="zh-CN" altLang="en-US"/>
           </a:p>
